--- a/docs/songs/come now is the time.pptx
+++ b/docs/songs/come now is the time.pptx
@@ -8,7 +8,9 @@
     <p:sldId id="518" r:id="rId2"/>
     <p:sldId id="522" r:id="rId3"/>
     <p:sldId id="520" r:id="rId4"/>
-    <p:sldId id="521" r:id="rId5"/>
+    <p:sldId id="1486" r:id="rId5"/>
+    <p:sldId id="521" r:id="rId6"/>
+    <p:sldId id="1487" r:id="rId7"/>
   </p:sldIdLst>
   <p:sldSz cx="9144000" cy="6858000" type="screen4x3"/>
   <p:notesSz cx="6858000" cy="9144000"/>
@@ -308,7 +310,7 @@
             <a:fld id="{26EA1CF3-4A15-4CBF-9A5A-6A56C368BE71}" type="datetimeFigureOut">
               <a:rPr lang="en-GB" smtClean="0"/>
               <a:pPr/>
-              <a:t>15/03/2023</a:t>
+              <a:t>09/02/2026</a:t>
             </a:fld>
             <a:endParaRPr lang="en-GB"/>
           </a:p>
@@ -475,7 +477,7 @@
             <a:fld id="{26EA1CF3-4A15-4CBF-9A5A-6A56C368BE71}" type="datetimeFigureOut">
               <a:rPr lang="en-GB" smtClean="0"/>
               <a:pPr/>
-              <a:t>15/03/2023</a:t>
+              <a:t>09/02/2026</a:t>
             </a:fld>
             <a:endParaRPr lang="en-GB"/>
           </a:p>
@@ -652,7 +654,7 @@
             <a:fld id="{26EA1CF3-4A15-4CBF-9A5A-6A56C368BE71}" type="datetimeFigureOut">
               <a:rPr lang="en-GB" smtClean="0"/>
               <a:pPr/>
-              <a:t>15/03/2023</a:t>
+              <a:t>09/02/2026</a:t>
             </a:fld>
             <a:endParaRPr lang="en-GB"/>
           </a:p>
@@ -819,7 +821,7 @@
             <a:fld id="{26EA1CF3-4A15-4CBF-9A5A-6A56C368BE71}" type="datetimeFigureOut">
               <a:rPr lang="en-GB" smtClean="0"/>
               <a:pPr/>
-              <a:t>15/03/2023</a:t>
+              <a:t>09/02/2026</a:t>
             </a:fld>
             <a:endParaRPr lang="en-GB"/>
           </a:p>
@@ -1062,7 +1064,7 @@
             <a:fld id="{26EA1CF3-4A15-4CBF-9A5A-6A56C368BE71}" type="datetimeFigureOut">
               <a:rPr lang="en-GB" smtClean="0"/>
               <a:pPr/>
-              <a:t>15/03/2023</a:t>
+              <a:t>09/02/2026</a:t>
             </a:fld>
             <a:endParaRPr lang="en-GB"/>
           </a:p>
@@ -1347,7 +1349,7 @@
             <a:fld id="{26EA1CF3-4A15-4CBF-9A5A-6A56C368BE71}" type="datetimeFigureOut">
               <a:rPr lang="en-GB" smtClean="0"/>
               <a:pPr/>
-              <a:t>15/03/2023</a:t>
+              <a:t>09/02/2026</a:t>
             </a:fld>
             <a:endParaRPr lang="en-GB"/>
           </a:p>
@@ -1766,7 +1768,7 @@
             <a:fld id="{26EA1CF3-4A15-4CBF-9A5A-6A56C368BE71}" type="datetimeFigureOut">
               <a:rPr lang="en-GB" smtClean="0"/>
               <a:pPr/>
-              <a:t>15/03/2023</a:t>
+              <a:t>09/02/2026</a:t>
             </a:fld>
             <a:endParaRPr lang="en-GB"/>
           </a:p>
@@ -1881,7 +1883,7 @@
             <a:fld id="{26EA1CF3-4A15-4CBF-9A5A-6A56C368BE71}" type="datetimeFigureOut">
               <a:rPr lang="en-GB" smtClean="0"/>
               <a:pPr/>
-              <a:t>15/03/2023</a:t>
+              <a:t>09/02/2026</a:t>
             </a:fld>
             <a:endParaRPr lang="en-GB"/>
           </a:p>
@@ -1973,7 +1975,7 @@
             <a:fld id="{26EA1CF3-4A15-4CBF-9A5A-6A56C368BE71}" type="datetimeFigureOut">
               <a:rPr lang="en-GB" smtClean="0"/>
               <a:pPr/>
-              <a:t>15/03/2023</a:t>
+              <a:t>09/02/2026</a:t>
             </a:fld>
             <a:endParaRPr lang="en-GB"/>
           </a:p>
@@ -2247,7 +2249,7 @@
             <a:fld id="{26EA1CF3-4A15-4CBF-9A5A-6A56C368BE71}" type="datetimeFigureOut">
               <a:rPr lang="en-GB" smtClean="0"/>
               <a:pPr/>
-              <a:t>15/03/2023</a:t>
+              <a:t>09/02/2026</a:t>
             </a:fld>
             <a:endParaRPr lang="en-GB"/>
           </a:p>
@@ -2497,7 +2499,7 @@
             <a:fld id="{26EA1CF3-4A15-4CBF-9A5A-6A56C368BE71}" type="datetimeFigureOut">
               <a:rPr lang="en-GB" smtClean="0"/>
               <a:pPr/>
-              <a:t>15/03/2023</a:t>
+              <a:t>09/02/2026</a:t>
             </a:fld>
             <a:endParaRPr lang="en-GB"/>
           </a:p>
@@ -2710,7 +2712,7 @@
             <a:fld id="{26EA1CF3-4A15-4CBF-9A5A-6A56C368BE71}" type="datetimeFigureOut">
               <a:rPr lang="en-GB" smtClean="0"/>
               <a:pPr/>
-              <a:t>15/03/2023</a:t>
+              <a:t>09/02/2026</a:t>
             </a:fld>
             <a:endParaRPr lang="en-GB"/>
           </a:p>
@@ -3275,7 +3277,7 @@
         </p:nvSpPr>
         <p:spPr>
           <a:xfrm>
-            <a:off x="323528" y="188640"/>
+            <a:off x="251520" y="764704"/>
             <a:ext cx="8640960" cy="6480720"/>
           </a:xfrm>
         </p:spPr>
@@ -3286,7 +3288,7 @@
           <a:lstStyle/>
           <a:p>
             <a:r>
-              <a:rPr lang="en-GB" sz="4000" dirty="0">
+              <a:rPr lang="en-GB" sz="3600" dirty="0">
                 <a:solidFill>
                   <a:schemeClr val="bg1"/>
                 </a:solidFill>
@@ -3296,7 +3298,7 @@
           </a:p>
           <a:p>
             <a:r>
-              <a:rPr lang="en-GB" sz="4000" dirty="0">
+              <a:rPr lang="en-GB" sz="3600" dirty="0">
                 <a:solidFill>
                   <a:schemeClr val="bg1"/>
                 </a:solidFill>
@@ -3306,7 +3308,7 @@
           </a:p>
           <a:p>
             <a:r>
-              <a:rPr lang="en-GB" sz="4000" dirty="0">
+              <a:rPr lang="en-GB" sz="3600" dirty="0">
                 <a:solidFill>
                   <a:schemeClr val="bg1"/>
                 </a:solidFill>
@@ -3316,7 +3318,7 @@
           </a:p>
           <a:p>
             <a:r>
-              <a:rPr lang="en-GB" sz="4000" dirty="0">
+              <a:rPr lang="en-GB" sz="3600" dirty="0">
                 <a:solidFill>
                   <a:schemeClr val="bg1"/>
                 </a:solidFill>
@@ -3326,7 +3328,7 @@
           </a:p>
           <a:p>
             <a:r>
-              <a:rPr lang="en-GB" sz="4000" dirty="0">
+              <a:rPr lang="en-GB" sz="3600" dirty="0">
                 <a:solidFill>
                   <a:schemeClr val="bg1"/>
                 </a:solidFill>
@@ -3364,7 +3366,7 @@
                   <a:schemeClr val="bg1"/>
                 </a:solidFill>
               </a:rPr>
-              <a:t>1/3</a:t>
+              <a:t>1/5</a:t>
             </a:r>
           </a:p>
         </p:txBody>
@@ -3411,7 +3413,7 @@
         </p:nvSpPr>
         <p:spPr>
           <a:xfrm>
-            <a:off x="323528" y="188640"/>
+            <a:off x="203118" y="764704"/>
             <a:ext cx="8640960" cy="6480720"/>
           </a:xfrm>
         </p:spPr>
@@ -3422,7 +3424,7 @@
           <a:lstStyle/>
           <a:p>
             <a:r>
-              <a:rPr lang="en-GB" sz="4000" dirty="0">
+              <a:rPr lang="en-GB" sz="3600" dirty="0">
                 <a:solidFill>
                   <a:schemeClr val="bg1"/>
                 </a:solidFill>
@@ -3432,7 +3434,7 @@
           </a:p>
           <a:p>
             <a:r>
-              <a:rPr lang="en-GB" sz="4000" dirty="0">
+              <a:rPr lang="en-GB" sz="3600" dirty="0">
                 <a:solidFill>
                   <a:schemeClr val="bg1"/>
                 </a:solidFill>
@@ -3442,7 +3444,7 @@
           </a:p>
           <a:p>
             <a:r>
-              <a:rPr lang="en-GB" sz="4000" dirty="0">
+              <a:rPr lang="en-GB" sz="3600" dirty="0">
                 <a:solidFill>
                   <a:schemeClr val="bg1"/>
                 </a:solidFill>
@@ -3452,7 +3454,7 @@
           </a:p>
           <a:p>
             <a:r>
-              <a:rPr lang="en-GB" sz="4000" dirty="0">
+              <a:rPr lang="en-GB" sz="3600" dirty="0">
                 <a:solidFill>
                   <a:schemeClr val="bg1"/>
                 </a:solidFill>
@@ -3462,7 +3464,7 @@
           </a:p>
           <a:p>
             <a:r>
-              <a:rPr lang="en-GB" sz="4000" dirty="0">
+              <a:rPr lang="en-GB" sz="3600" dirty="0">
                 <a:solidFill>
                   <a:schemeClr val="bg1"/>
                 </a:solidFill>
@@ -3500,7 +3502,7 @@
                   <a:schemeClr val="bg1"/>
                 </a:solidFill>
               </a:rPr>
-              <a:t>2/3</a:t>
+              <a:t>2/5</a:t>
             </a:r>
           </a:p>
         </p:txBody>
@@ -3523,6 +3525,160 @@
   <p:cSld>
     <p:spTree>
       <p:nvGrpSpPr>
+        <p:cNvPr id="1" name="">
+          <a:extLst>
+            <a:ext uri="{FF2B5EF4-FFF2-40B4-BE49-F238E27FC236}">
+              <a16:creationId xmlns:a16="http://schemas.microsoft.com/office/drawing/2014/main" id="{BE04B62E-638E-0A8E-CF84-6A4E340F3E5C}"/>
+            </a:ext>
+          </a:extLst>
+        </p:cNvPr>
+        <p:cNvGrpSpPr/>
+        <p:nvPr/>
+      </p:nvGrpSpPr>
+      <p:grpSpPr>
+        <a:xfrm>
+          <a:off x="0" y="0"/>
+          <a:ext cx="0" cy="0"/>
+          <a:chOff x="0" y="0"/>
+          <a:chExt cx="0" cy="0"/>
+        </a:xfrm>
+      </p:grpSpPr>
+      <p:sp>
+        <p:nvSpPr>
+          <p:cNvPr id="3" name="Subtitle 2">
+            <a:extLst>
+              <a:ext uri="{FF2B5EF4-FFF2-40B4-BE49-F238E27FC236}">
+                <a16:creationId xmlns:a16="http://schemas.microsoft.com/office/drawing/2014/main" id="{7D8D4C70-3F06-57AE-5928-B8AA05581F71}"/>
+              </a:ext>
+            </a:extLst>
+          </p:cNvPr>
+          <p:cNvSpPr>
+            <a:spLocks noGrp="1"/>
+          </p:cNvSpPr>
+          <p:nvPr>
+            <p:ph type="subTitle" idx="1"/>
+          </p:nvPr>
+        </p:nvSpPr>
+        <p:spPr>
+          <a:xfrm>
+            <a:off x="251520" y="764704"/>
+            <a:ext cx="8640960" cy="6480720"/>
+          </a:xfrm>
+        </p:spPr>
+        <p:txBody>
+          <a:bodyPr>
+            <a:noAutofit/>
+          </a:bodyPr>
+          <a:lstStyle/>
+          <a:p>
+            <a:r>
+              <a:rPr lang="en-GB" sz="3600" dirty="0">
+                <a:solidFill>
+                  <a:schemeClr val="bg1"/>
+                </a:solidFill>
+              </a:rPr>
+              <a:t>Come now is the time to worship</a:t>
+            </a:r>
+          </a:p>
+          <a:p>
+            <a:r>
+              <a:rPr lang="en-GB" sz="3600" dirty="0">
+                <a:solidFill>
+                  <a:schemeClr val="bg1"/>
+                </a:solidFill>
+              </a:rPr>
+              <a:t>Come now is the time to give your heart</a:t>
+            </a:r>
+          </a:p>
+          <a:p>
+            <a:r>
+              <a:rPr lang="en-GB" sz="3600" dirty="0">
+                <a:solidFill>
+                  <a:schemeClr val="bg1"/>
+                </a:solidFill>
+              </a:rPr>
+              <a:t>Come just as you are to worship</a:t>
+            </a:r>
+          </a:p>
+          <a:p>
+            <a:r>
+              <a:rPr lang="en-GB" sz="3600" dirty="0">
+                <a:solidFill>
+                  <a:schemeClr val="bg1"/>
+                </a:solidFill>
+              </a:rPr>
+              <a:t>Come just as you are before your God</a:t>
+            </a:r>
+          </a:p>
+          <a:p>
+            <a:r>
+              <a:rPr lang="en-GB" sz="3600" dirty="0">
+                <a:solidFill>
+                  <a:schemeClr val="bg1"/>
+                </a:solidFill>
+              </a:rPr>
+              <a:t>Come</a:t>
+            </a:r>
+          </a:p>
+        </p:txBody>
+      </p:sp>
+      <p:sp>
+        <p:nvSpPr>
+          <p:cNvPr id="4" name="TextBox 3">
+            <a:extLst>
+              <a:ext uri="{FF2B5EF4-FFF2-40B4-BE49-F238E27FC236}">
+                <a16:creationId xmlns:a16="http://schemas.microsoft.com/office/drawing/2014/main" id="{121BBA12-34C9-4A01-B259-16F294C6FA49}"/>
+              </a:ext>
+            </a:extLst>
+          </p:cNvPr>
+          <p:cNvSpPr txBox="1"/>
+          <p:nvPr/>
+        </p:nvSpPr>
+        <p:spPr>
+          <a:xfrm>
+            <a:off x="8529729" y="0"/>
+            <a:ext cx="628698" cy="461665"/>
+          </a:xfrm>
+          <a:prstGeom prst="rect">
+            <a:avLst/>
+          </a:prstGeom>
+          <a:noFill/>
+        </p:spPr>
+        <p:txBody>
+          <a:bodyPr wrap="none" rtlCol="0">
+            <a:spAutoFit/>
+          </a:bodyPr>
+          <a:lstStyle/>
+          <a:p>
+            <a:r>
+              <a:rPr lang="en-GB" sz="2400" b="1" dirty="0">
+                <a:solidFill>
+                  <a:schemeClr val="bg1"/>
+                </a:solidFill>
+              </a:rPr>
+              <a:t>3/5</a:t>
+            </a:r>
+          </a:p>
+        </p:txBody>
+      </p:sp>
+    </p:spTree>
+    <p:extLst>
+      <p:ext uri="{BB962C8B-B14F-4D97-AF65-F5344CB8AC3E}">
+        <p14:creationId xmlns:p14="http://schemas.microsoft.com/office/powerpoint/2010/main" val="2889117147"/>
+      </p:ext>
+    </p:extLst>
+  </p:cSld>
+  <p:clrMapOvr>
+    <a:masterClrMapping/>
+  </p:clrMapOvr>
+</p:sld>
+</file>
+
+<file path=ppt/slides/slide5.xml><?xml version="1.0" encoding="utf-8"?>
+<p:sld xmlns:a="http://schemas.openxmlformats.org/drawingml/2006/main" xmlns:r="http://schemas.openxmlformats.org/officeDocument/2006/relationships" xmlns:p="http://schemas.openxmlformats.org/presentationml/2006/main">
+  <p:cSld>
+    <p:spTree>
+      <p:nvGrpSpPr>
         <p:cNvPr id="1" name=""/>
         <p:cNvGrpSpPr/>
         <p:nvPr/>
@@ -3547,7 +3703,7 @@
         </p:nvSpPr>
         <p:spPr>
           <a:xfrm>
-            <a:off x="323528" y="188640"/>
+            <a:off x="203118" y="836712"/>
             <a:ext cx="8640960" cy="6480720"/>
           </a:xfrm>
         </p:spPr>
@@ -3558,7 +3714,7 @@
           <a:lstStyle/>
           <a:p>
             <a:r>
-              <a:rPr lang="en-GB" sz="4000" dirty="0">
+              <a:rPr lang="en-GB" sz="3600" dirty="0">
                 <a:solidFill>
                   <a:schemeClr val="bg1"/>
                 </a:solidFill>
@@ -3568,7 +3724,7 @@
           </a:p>
           <a:p>
             <a:r>
-              <a:rPr lang="en-GB" sz="4000" dirty="0">
+              <a:rPr lang="en-GB" sz="3600" dirty="0">
                 <a:solidFill>
                   <a:schemeClr val="bg1"/>
                 </a:solidFill>
@@ -3578,7 +3734,7 @@
           </a:p>
           <a:p>
             <a:r>
-              <a:rPr lang="en-GB" sz="4000" dirty="0">
+              <a:rPr lang="en-GB" sz="3600" dirty="0">
                 <a:solidFill>
                   <a:schemeClr val="bg1"/>
                 </a:solidFill>
@@ -3588,7 +3744,7 @@
           </a:p>
           <a:p>
             <a:r>
-              <a:rPr lang="en-GB" sz="4000" dirty="0">
+              <a:rPr lang="en-GB" sz="3600" dirty="0">
                 <a:solidFill>
                   <a:schemeClr val="bg1"/>
                 </a:solidFill>
@@ -3626,7 +3782,7 @@
                   <a:schemeClr val="bg1"/>
                 </a:solidFill>
               </a:rPr>
-              <a:t>1/3</a:t>
+              <a:t>4/5</a:t>
             </a:r>
           </a:p>
         </p:txBody>
@@ -3635,6 +3791,160 @@
     <p:extLst>
       <p:ext uri="{BB962C8B-B14F-4D97-AF65-F5344CB8AC3E}">
         <p14:creationId xmlns:p14="http://schemas.microsoft.com/office/powerpoint/2010/main" val="3189844234"/>
+      </p:ext>
+    </p:extLst>
+  </p:cSld>
+  <p:clrMapOvr>
+    <a:masterClrMapping/>
+  </p:clrMapOvr>
+</p:sld>
+</file>
+
+<file path=ppt/slides/slide6.xml><?xml version="1.0" encoding="utf-8"?>
+<p:sld xmlns:a="http://schemas.openxmlformats.org/drawingml/2006/main" xmlns:r="http://schemas.openxmlformats.org/officeDocument/2006/relationships" xmlns:p="http://schemas.openxmlformats.org/presentationml/2006/main">
+  <p:cSld>
+    <p:spTree>
+      <p:nvGrpSpPr>
+        <p:cNvPr id="1" name="">
+          <a:extLst>
+            <a:ext uri="{FF2B5EF4-FFF2-40B4-BE49-F238E27FC236}">
+              <a16:creationId xmlns:a16="http://schemas.microsoft.com/office/drawing/2014/main" id="{B4B6F897-774B-2898-3BEE-585494DC584D}"/>
+            </a:ext>
+          </a:extLst>
+        </p:cNvPr>
+        <p:cNvGrpSpPr/>
+        <p:nvPr/>
+      </p:nvGrpSpPr>
+      <p:grpSpPr>
+        <a:xfrm>
+          <a:off x="0" y="0"/>
+          <a:ext cx="0" cy="0"/>
+          <a:chOff x="0" y="0"/>
+          <a:chExt cx="0" cy="0"/>
+        </a:xfrm>
+      </p:grpSpPr>
+      <p:sp>
+        <p:nvSpPr>
+          <p:cNvPr id="3" name="Subtitle 2">
+            <a:extLst>
+              <a:ext uri="{FF2B5EF4-FFF2-40B4-BE49-F238E27FC236}">
+                <a16:creationId xmlns:a16="http://schemas.microsoft.com/office/drawing/2014/main" id="{D6310524-4543-7DBF-EC12-8B1CF605E385}"/>
+              </a:ext>
+            </a:extLst>
+          </p:cNvPr>
+          <p:cNvSpPr>
+            <a:spLocks noGrp="1"/>
+          </p:cNvSpPr>
+          <p:nvPr>
+            <p:ph type="subTitle" idx="1"/>
+          </p:nvPr>
+        </p:nvSpPr>
+        <p:spPr>
+          <a:xfrm>
+            <a:off x="251520" y="764704"/>
+            <a:ext cx="8640960" cy="6480720"/>
+          </a:xfrm>
+        </p:spPr>
+        <p:txBody>
+          <a:bodyPr>
+            <a:noAutofit/>
+          </a:bodyPr>
+          <a:lstStyle/>
+          <a:p>
+            <a:r>
+              <a:rPr lang="en-GB" sz="3600" dirty="0">
+                <a:solidFill>
+                  <a:schemeClr val="bg1"/>
+                </a:solidFill>
+              </a:rPr>
+              <a:t>Come now is the time to worship</a:t>
+            </a:r>
+          </a:p>
+          <a:p>
+            <a:r>
+              <a:rPr lang="en-GB" sz="3600" dirty="0">
+                <a:solidFill>
+                  <a:schemeClr val="bg1"/>
+                </a:solidFill>
+              </a:rPr>
+              <a:t>Come now is the time to give your heart</a:t>
+            </a:r>
+          </a:p>
+          <a:p>
+            <a:r>
+              <a:rPr lang="en-GB" sz="3600" dirty="0">
+                <a:solidFill>
+                  <a:schemeClr val="bg1"/>
+                </a:solidFill>
+              </a:rPr>
+              <a:t>Come just as you are to worship</a:t>
+            </a:r>
+          </a:p>
+          <a:p>
+            <a:r>
+              <a:rPr lang="en-GB" sz="3600" dirty="0">
+                <a:solidFill>
+                  <a:schemeClr val="bg1"/>
+                </a:solidFill>
+              </a:rPr>
+              <a:t>Come just as you are before your God</a:t>
+            </a:r>
+          </a:p>
+          <a:p>
+            <a:r>
+              <a:rPr lang="en-GB" sz="3600" dirty="0">
+                <a:solidFill>
+                  <a:schemeClr val="bg1"/>
+                </a:solidFill>
+              </a:rPr>
+              <a:t>Come</a:t>
+            </a:r>
+          </a:p>
+        </p:txBody>
+      </p:sp>
+      <p:sp>
+        <p:nvSpPr>
+          <p:cNvPr id="4" name="TextBox 3">
+            <a:extLst>
+              <a:ext uri="{FF2B5EF4-FFF2-40B4-BE49-F238E27FC236}">
+                <a16:creationId xmlns:a16="http://schemas.microsoft.com/office/drawing/2014/main" id="{A647FE93-DA42-4EF2-9269-B61918B09E4B}"/>
+              </a:ext>
+            </a:extLst>
+          </p:cNvPr>
+          <p:cNvSpPr txBox="1"/>
+          <p:nvPr/>
+        </p:nvSpPr>
+        <p:spPr>
+          <a:xfrm>
+            <a:off x="8529729" y="0"/>
+            <a:ext cx="628698" cy="461665"/>
+          </a:xfrm>
+          <a:prstGeom prst="rect">
+            <a:avLst/>
+          </a:prstGeom>
+          <a:noFill/>
+        </p:spPr>
+        <p:txBody>
+          <a:bodyPr wrap="none" rtlCol="0">
+            <a:spAutoFit/>
+          </a:bodyPr>
+          <a:lstStyle/>
+          <a:p>
+            <a:r>
+              <a:rPr lang="en-GB" sz="2400" b="1" dirty="0">
+                <a:solidFill>
+                  <a:schemeClr val="bg1"/>
+                </a:solidFill>
+              </a:rPr>
+              <a:t>5/5</a:t>
+            </a:r>
+          </a:p>
+        </p:txBody>
+      </p:sp>
+    </p:spTree>
+    <p:extLst>
+      <p:ext uri="{BB962C8B-B14F-4D97-AF65-F5344CB8AC3E}">
+        <p14:creationId xmlns:p14="http://schemas.microsoft.com/office/powerpoint/2010/main" val="3191573162"/>
       </p:ext>
     </p:extLst>
   </p:cSld>
